--- a/Course-Project/Final.pptx
+++ b/Course-Project/Final.pptx
@@ -206,7 +206,7 @@
           <a:p>
             <a:fld id="{AA24CD06-CDB8-463C-82C0-327730F8ACA7}" type="datetimeFigureOut">
               <a:rPr lang="en-US" smtClean="0"/>
-              <a:t>6/7/2023</a:t>
+              <a:t>6/12/2023</a:t>
             </a:fld>
             <a:endParaRPr lang="en-US"/>
           </a:p>
@@ -1445,7 +1445,7 @@
           <a:p>
             <a:fld id="{29F8D91E-FFF0-45B5-AFE0-22E101FDFDBC}" type="datetimeFigureOut">
               <a:rPr lang="en-US" smtClean="0"/>
-              <a:t>6/7/2023</a:t>
+              <a:t>6/12/2023</a:t>
             </a:fld>
             <a:endParaRPr lang="en-US"/>
           </a:p>
@@ -1615,7 +1615,7 @@
           <a:p>
             <a:fld id="{29F8D91E-FFF0-45B5-AFE0-22E101FDFDBC}" type="datetimeFigureOut">
               <a:rPr lang="en-US" smtClean="0"/>
-              <a:t>6/7/2023</a:t>
+              <a:t>6/12/2023</a:t>
             </a:fld>
             <a:endParaRPr lang="en-US"/>
           </a:p>
@@ -1795,7 +1795,7 @@
           <a:p>
             <a:fld id="{29F8D91E-FFF0-45B5-AFE0-22E101FDFDBC}" type="datetimeFigureOut">
               <a:rPr lang="en-US" smtClean="0"/>
-              <a:t>6/7/2023</a:t>
+              <a:t>6/12/2023</a:t>
             </a:fld>
             <a:endParaRPr lang="en-US"/>
           </a:p>
@@ -1965,7 +1965,7 @@
           <a:p>
             <a:fld id="{29F8D91E-FFF0-45B5-AFE0-22E101FDFDBC}" type="datetimeFigureOut">
               <a:rPr lang="en-US" smtClean="0"/>
-              <a:t>6/7/2023</a:t>
+              <a:t>6/12/2023</a:t>
             </a:fld>
             <a:endParaRPr lang="en-US"/>
           </a:p>
@@ -2209,7 +2209,7 @@
           <a:p>
             <a:fld id="{29F8D91E-FFF0-45B5-AFE0-22E101FDFDBC}" type="datetimeFigureOut">
               <a:rPr lang="en-US" smtClean="0"/>
-              <a:t>6/7/2023</a:t>
+              <a:t>6/12/2023</a:t>
             </a:fld>
             <a:endParaRPr lang="en-US"/>
           </a:p>
@@ -2441,7 +2441,7 @@
           <a:p>
             <a:fld id="{29F8D91E-FFF0-45B5-AFE0-22E101FDFDBC}" type="datetimeFigureOut">
               <a:rPr lang="en-US" smtClean="0"/>
-              <a:t>6/7/2023</a:t>
+              <a:t>6/12/2023</a:t>
             </a:fld>
             <a:endParaRPr lang="en-US"/>
           </a:p>
@@ -2808,7 +2808,7 @@
           <a:p>
             <a:fld id="{29F8D91E-FFF0-45B5-AFE0-22E101FDFDBC}" type="datetimeFigureOut">
               <a:rPr lang="en-US" smtClean="0"/>
-              <a:t>6/7/2023</a:t>
+              <a:t>6/12/2023</a:t>
             </a:fld>
             <a:endParaRPr lang="en-US"/>
           </a:p>
@@ -2926,7 +2926,7 @@
           <a:p>
             <a:fld id="{29F8D91E-FFF0-45B5-AFE0-22E101FDFDBC}" type="datetimeFigureOut">
               <a:rPr lang="en-US" smtClean="0"/>
-              <a:t>6/7/2023</a:t>
+              <a:t>6/12/2023</a:t>
             </a:fld>
             <a:endParaRPr lang="en-US"/>
           </a:p>
@@ -3021,7 +3021,7 @@
           <a:p>
             <a:fld id="{29F8D91E-FFF0-45B5-AFE0-22E101FDFDBC}" type="datetimeFigureOut">
               <a:rPr lang="en-US" smtClean="0"/>
-              <a:t>6/7/2023</a:t>
+              <a:t>6/12/2023</a:t>
             </a:fld>
             <a:endParaRPr lang="en-US"/>
           </a:p>
@@ -3298,7 +3298,7 @@
           <a:p>
             <a:fld id="{29F8D91E-FFF0-45B5-AFE0-22E101FDFDBC}" type="datetimeFigureOut">
               <a:rPr lang="en-US" smtClean="0"/>
-              <a:t>6/7/2023</a:t>
+              <a:t>6/12/2023</a:t>
             </a:fld>
             <a:endParaRPr lang="en-US"/>
           </a:p>
@@ -3555,7 +3555,7 @@
           <a:p>
             <a:fld id="{29F8D91E-FFF0-45B5-AFE0-22E101FDFDBC}" type="datetimeFigureOut">
               <a:rPr lang="en-US" smtClean="0"/>
-              <a:t>6/7/2023</a:t>
+              <a:t>6/12/2023</a:t>
             </a:fld>
             <a:endParaRPr lang="en-US"/>
           </a:p>
@@ -3768,7 +3768,7 @@
           <a:p>
             <a:fld id="{29F8D91E-FFF0-45B5-AFE0-22E101FDFDBC}" type="datetimeFigureOut">
               <a:rPr lang="en-US" smtClean="0"/>
-              <a:t>6/7/2023</a:t>
+              <a:t>6/12/2023</a:t>
             </a:fld>
             <a:endParaRPr lang="en-US"/>
           </a:p>
@@ -5044,8 +5044,8 @@
           </a:p>
         </p:txBody>
       </p:sp>
-      <mc:AlternateContent xmlns:mc="http://schemas.openxmlformats.org/markup-compatibility/2006">
-        <mc:Choice xmlns:a14="http://schemas.microsoft.com/office/drawing/2010/main" Requires="a14">
+      <mc:AlternateContent xmlns:mc="http://schemas.openxmlformats.org/markup-compatibility/2006" xmlns:a14="http://schemas.microsoft.com/office/drawing/2010/main">
+        <mc:Choice Requires="a14">
           <p:sp>
             <p:nvSpPr>
               <p:cNvPr id="12" name="文本框 11">
@@ -5074,6 +5074,7 @@
               </a:bodyPr>
               <a:lstStyle/>
               <a:p>
+                <a:pPr/>
                 <a14:m>
                   <m:oMathPara xmlns:m="http://schemas.openxmlformats.org/officeDocument/2006/math">
                     <m:oMathParaPr>
@@ -5143,7 +5144,7 @@
             </p:txBody>
           </p:sp>
         </mc:Choice>
-        <mc:Fallback>
+        <mc:Fallback xmlns="">
           <p:sp>
             <p:nvSpPr>
               <p:cNvPr id="12" name="文本框 11">
@@ -5188,6 +5189,74 @@
           </p:sp>
         </mc:Fallback>
       </mc:AlternateContent>
+      <p:sp>
+        <p:nvSpPr>
+          <p:cNvPr id="2" name="文本框 1">
+            <a:extLst>
+              <a:ext uri="{FF2B5EF4-FFF2-40B4-BE49-F238E27FC236}">
+                <a16:creationId xmlns:a16="http://schemas.microsoft.com/office/drawing/2014/main" id="{C6AE67CC-BB66-46B7-AB6A-4098E4CFDB21}"/>
+              </a:ext>
+            </a:extLst>
+          </p:cNvPr>
+          <p:cNvSpPr txBox="1"/>
+          <p:nvPr/>
+        </p:nvSpPr>
+        <p:spPr>
+          <a:xfrm>
+            <a:off x="5722374" y="1877961"/>
+            <a:ext cx="2901302" cy="646331"/>
+          </a:xfrm>
+          <a:prstGeom prst="rect">
+            <a:avLst/>
+          </a:prstGeom>
+          <a:noFill/>
+        </p:spPr>
+        <p:txBody>
+          <a:bodyPr wrap="square" rtlCol="0">
+            <a:spAutoFit/>
+          </a:bodyPr>
+          <a:lstStyle/>
+          <a:p>
+            <a:r>
+              <a:rPr lang="en-US" altLang="zh-CN" dirty="0">
+                <a:solidFill>
+                  <a:srgbClr val="FF0000"/>
+                </a:solidFill>
+                <a:latin typeface="Times New Roman" panose="02020603050405020304" pitchFamily="18" charset="0"/>
+                <a:cs typeface="Times New Roman" panose="02020603050405020304" pitchFamily="18" charset="0"/>
+              </a:rPr>
+              <a:t>Training data in </a:t>
+            </a:r>
+            <a:r>
+              <a:rPr lang="en-US" altLang="zh-CN" dirty="0" err="1">
+                <a:solidFill>
+                  <a:srgbClr val="FF0000"/>
+                </a:solidFill>
+                <a:latin typeface="Times New Roman" panose="02020603050405020304" pitchFamily="18" charset="0"/>
+                <a:cs typeface="Times New Roman" panose="02020603050405020304" pitchFamily="18" charset="0"/>
+              </a:rPr>
+              <a:t>github</a:t>
+            </a:r>
+            <a:r>
+              <a:rPr lang="en-US" altLang="zh-CN" dirty="0">
+                <a:solidFill>
+                  <a:srgbClr val="FF0000"/>
+                </a:solidFill>
+                <a:latin typeface="Times New Roman" panose="02020603050405020304" pitchFamily="18" charset="0"/>
+                <a:cs typeface="Times New Roman" panose="02020603050405020304" pitchFamily="18" charset="0"/>
+              </a:rPr>
+              <a:t> is normalized using u/U, v/U</a:t>
+            </a:r>
+            <a:endParaRPr lang="zh-CN" altLang="en-US" dirty="0">
+              <a:solidFill>
+                <a:srgbClr val="FF0000"/>
+              </a:solidFill>
+              <a:latin typeface="Times New Roman" panose="02020603050405020304" pitchFamily="18" charset="0"/>
+              <a:cs typeface="Times New Roman" panose="02020603050405020304" pitchFamily="18" charset="0"/>
+            </a:endParaRPr>
+          </a:p>
+        </p:txBody>
+      </p:sp>
     </p:spTree>
     <p:extLst>
       <p:ext uri="{BB962C8B-B14F-4D97-AF65-F5344CB8AC3E}">
@@ -5640,8 +5709,8 @@
           </a:prstGeom>
         </p:spPr>
       </p:pic>
-      <mc:AlternateContent xmlns:mc="http://schemas.openxmlformats.org/markup-compatibility/2006">
-        <mc:Choice xmlns:a14="http://schemas.microsoft.com/office/drawing/2010/main" Requires="a14">
+      <mc:AlternateContent xmlns:mc="http://schemas.openxmlformats.org/markup-compatibility/2006" xmlns:a14="http://schemas.microsoft.com/office/drawing/2010/main">
+        <mc:Choice Requires="a14">
           <p:sp>
             <p:nvSpPr>
               <p:cNvPr id="6" name="文本框 5">
@@ -5820,7 +5889,7 @@
             </p:txBody>
           </p:sp>
         </mc:Choice>
-        <mc:Fallback>
+        <mc:Fallback xmlns="">
           <p:sp>
             <p:nvSpPr>
               <p:cNvPr id="6" name="文本框 5">
@@ -6121,8 +6190,8 @@
           </a:p>
         </p:txBody>
       </p:sp>
-      <mc:AlternateContent xmlns:mc="http://schemas.openxmlformats.org/markup-compatibility/2006">
-        <mc:Choice xmlns:a14="http://schemas.microsoft.com/office/drawing/2010/main" Requires="a14">
+      <mc:AlternateContent xmlns:mc="http://schemas.openxmlformats.org/markup-compatibility/2006" xmlns:a14="http://schemas.microsoft.com/office/drawing/2010/main">
+        <mc:Choice Requires="a14">
           <p:sp>
             <p:nvSpPr>
               <p:cNvPr id="6" name="文本框 5">
@@ -6301,7 +6370,7 @@
             </p:txBody>
           </p:sp>
         </mc:Choice>
-        <mc:Fallback>
+        <mc:Fallback xmlns="">
           <p:sp>
             <p:nvSpPr>
               <p:cNvPr id="6" name="文本框 5">
@@ -6558,8 +6627,8 @@
           </a:prstGeom>
         </p:spPr>
       </p:pic>
-      <mc:AlternateContent xmlns:mc="http://schemas.openxmlformats.org/markup-compatibility/2006">
-        <mc:Choice xmlns:a14="http://schemas.microsoft.com/office/drawing/2010/main" Requires="a14">
+      <mc:AlternateContent xmlns:mc="http://schemas.openxmlformats.org/markup-compatibility/2006" xmlns:a14="http://schemas.microsoft.com/office/drawing/2010/main">
+        <mc:Choice Requires="a14">
           <p:sp>
             <p:nvSpPr>
               <p:cNvPr id="9" name="TextBox 21">
@@ -6621,7 +6690,7 @@
             </p:txBody>
           </p:sp>
         </mc:Choice>
-        <mc:Fallback>
+        <mc:Fallback xmlns="">
           <p:sp>
             <p:nvSpPr>
               <p:cNvPr id="9" name="TextBox 21">

--- a/Course-Project/Final.pptx
+++ b/Course-Project/Final.pptx
@@ -5709,8 +5709,8 @@
           </a:prstGeom>
         </p:spPr>
       </p:pic>
-      <mc:AlternateContent xmlns:mc="http://schemas.openxmlformats.org/markup-compatibility/2006" xmlns:a14="http://schemas.microsoft.com/office/drawing/2010/main">
-        <mc:Choice Requires="a14">
+      <mc:AlternateContent xmlns:mc="http://schemas.openxmlformats.org/markup-compatibility/2006">
+        <mc:Choice xmlns:a14="http://schemas.microsoft.com/office/drawing/2010/main" Requires="a14">
           <p:sp>
             <p:nvSpPr>
               <p:cNvPr id="6" name="文本框 5">
@@ -5820,6 +5820,18 @@
                       </a:rPr>
                       <m:t>𝜆</m:t>
                     </m:r>
+                    <m:r>
+                      <a:rPr lang="en-US" altLang="zh-CN" b="0" i="1" smtClean="0">
+                        <a:latin typeface="Cambria Math" panose="02040503050406030204" pitchFamily="18" charset="0"/>
+                      </a:rPr>
+                      <m:t>/</m:t>
+                    </m:r>
+                    <m:r>
+                      <a:rPr lang="en-US" altLang="zh-CN" b="0" i="1" smtClean="0">
+                        <a:latin typeface="Cambria Math" panose="02040503050406030204" pitchFamily="18" charset="0"/>
+                      </a:rPr>
+                      <m:t>𝑓</m:t>
+                    </m:r>
                   </m:oMath>
                 </a14:m>
                 <a:endParaRPr lang="en-US" altLang="zh-CN" dirty="0">
@@ -5889,7 +5901,7 @@
             </p:txBody>
           </p:sp>
         </mc:Choice>
-        <mc:Fallback xmlns="">
+        <mc:Fallback>
           <p:sp>
             <p:nvSpPr>
               <p:cNvPr id="6" name="文本框 5">
@@ -6190,8 +6202,8 @@
           </a:p>
         </p:txBody>
       </p:sp>
-      <mc:AlternateContent xmlns:mc="http://schemas.openxmlformats.org/markup-compatibility/2006" xmlns:a14="http://schemas.microsoft.com/office/drawing/2010/main">
-        <mc:Choice Requires="a14">
+      <mc:AlternateContent xmlns:mc="http://schemas.openxmlformats.org/markup-compatibility/2006">
+        <mc:Choice xmlns:a14="http://schemas.microsoft.com/office/drawing/2010/main" Requires="a14">
           <p:sp>
             <p:nvSpPr>
               <p:cNvPr id="6" name="文本框 5">
@@ -6301,6 +6313,18 @@
                       </a:rPr>
                       <m:t>𝜆</m:t>
                     </m:r>
+                    <m:r>
+                      <a:rPr lang="en-US" altLang="zh-CN" b="0" i="1" smtClean="0">
+                        <a:latin typeface="Cambria Math" panose="02040503050406030204" pitchFamily="18" charset="0"/>
+                      </a:rPr>
+                      <m:t>/</m:t>
+                    </m:r>
+                    <m:r>
+                      <a:rPr lang="en-US" altLang="zh-CN" b="0" i="1" smtClean="0">
+                        <a:latin typeface="Cambria Math" panose="02040503050406030204" pitchFamily="18" charset="0"/>
+                      </a:rPr>
+                      <m:t>𝑓</m:t>
+                    </m:r>
                   </m:oMath>
                 </a14:m>
                 <a:endParaRPr lang="en-US" altLang="zh-CN" dirty="0">
@@ -6370,7 +6394,7 @@
             </p:txBody>
           </p:sp>
         </mc:Choice>
-        <mc:Fallback xmlns="">
+        <mc:Fallback>
           <p:sp>
             <p:nvSpPr>
               <p:cNvPr id="6" name="文本框 5">
